--- a/StudentGuideModule1/friction/rough_plane.pptx
+++ b/StudentGuideModule1/friction/rough_plane.pptx
@@ -107,6 +107,11 @@
       </a:defRPr>
     </a:lvl9pPr>
   </p:defaultTextStyle>
+  <p:extLst>
+    <p:ext uri="{EFAFB233-063F-42B5-8137-9DF3F51BA10A}">
+      <p15:sldGuideLst xmlns:p15="http://schemas.microsoft.com/office/powerpoint/2012/main"/>
+    </p:ext>
+  </p:extLst>
 </p:presentation>
 </file>
 
@@ -192,7 +197,7 @@
           <a:p>
             <a:fld id="{BC9D30BA-6F8D-4CD9-B515-90D12B2DA4CA}" type="datetimeFigureOut">
               <a:rPr lang="en-US" smtClean="0"/>
-              <a:t>5/21/2016</a:t>
+              <a:t>7/24/2019</a:t>
             </a:fld>
             <a:endParaRPr lang="en-US"/>
           </a:p>
@@ -256,38 +261,37 @@
           <a:p>
             <a:pPr lvl="0"/>
             <a:r>
-              <a:rPr lang="en-US" smtClean="0"/>
+              <a:rPr lang="en-US"/>
               <a:t>Edit Master text styles</a:t>
             </a:r>
           </a:p>
           <a:p>
             <a:pPr lvl="1"/>
             <a:r>
-              <a:rPr lang="en-US" smtClean="0"/>
+              <a:rPr lang="en-US"/>
               <a:t>Second level</a:t>
             </a:r>
           </a:p>
           <a:p>
             <a:pPr lvl="2"/>
             <a:r>
-              <a:rPr lang="en-US" smtClean="0"/>
+              <a:rPr lang="en-US"/>
               <a:t>Third level</a:t>
             </a:r>
           </a:p>
           <a:p>
             <a:pPr lvl="3"/>
             <a:r>
-              <a:rPr lang="en-US" smtClean="0"/>
+              <a:rPr lang="en-US"/>
               <a:t>Fourth level</a:t>
             </a:r>
           </a:p>
           <a:p>
             <a:pPr lvl="4"/>
             <a:r>
-              <a:rPr lang="en-US" smtClean="0"/>
+              <a:rPr lang="en-US"/>
               <a:t>Fifth level</a:t>
             </a:r>
-            <a:endParaRPr lang="en-US"/>
           </a:p>
         </p:txBody>
       </p:sp>
@@ -586,10 +590,9 @@
           </a:lstStyle>
           <a:p>
             <a:r>
-              <a:rPr lang="en-US" smtClean="0"/>
+              <a:rPr lang="en-US"/>
               <a:t>Click to edit Master title style</a:t>
             </a:r>
-            <a:endParaRPr lang="en-US"/>
           </a:p>
         </p:txBody>
       </p:sp>
@@ -651,10 +654,9 @@
           </a:lstStyle>
           <a:p>
             <a:r>
-              <a:rPr lang="en-US" smtClean="0"/>
+              <a:rPr lang="en-US"/>
               <a:t>Click to edit Master subtitle style</a:t>
             </a:r>
-            <a:endParaRPr lang="en-US"/>
           </a:p>
         </p:txBody>
       </p:sp>
@@ -675,7 +677,7 @@
           <a:p>
             <a:fld id="{62726365-80EF-4A22-BD1B-8B7BA9D18AD5}" type="datetimeFigureOut">
               <a:rPr lang="en-US" smtClean="0"/>
-              <a:t>5/21/2016</a:t>
+              <a:t>7/24/2019</a:t>
             </a:fld>
             <a:endParaRPr lang="en-US"/>
           </a:p>
@@ -769,10 +771,9 @@
           <a:lstStyle/>
           <a:p>
             <a:r>
-              <a:rPr lang="en-US" smtClean="0"/>
+              <a:rPr lang="en-US"/>
               <a:t>Click to edit Master title style</a:t>
             </a:r>
-            <a:endParaRPr lang="en-US"/>
           </a:p>
         </p:txBody>
       </p:sp>
@@ -793,38 +794,37 @@
           <a:p>
             <a:pPr lvl="0"/>
             <a:r>
-              <a:rPr lang="en-US" smtClean="0"/>
+              <a:rPr lang="en-US"/>
               <a:t>Edit Master text styles</a:t>
             </a:r>
           </a:p>
           <a:p>
             <a:pPr lvl="1"/>
             <a:r>
-              <a:rPr lang="en-US" smtClean="0"/>
+              <a:rPr lang="en-US"/>
               <a:t>Second level</a:t>
             </a:r>
           </a:p>
           <a:p>
             <a:pPr lvl="2"/>
             <a:r>
-              <a:rPr lang="en-US" smtClean="0"/>
+              <a:rPr lang="en-US"/>
               <a:t>Third level</a:t>
             </a:r>
           </a:p>
           <a:p>
             <a:pPr lvl="3"/>
             <a:r>
-              <a:rPr lang="en-US" smtClean="0"/>
+              <a:rPr lang="en-US"/>
               <a:t>Fourth level</a:t>
             </a:r>
           </a:p>
           <a:p>
             <a:pPr lvl="4"/>
             <a:r>
-              <a:rPr lang="en-US" smtClean="0"/>
+              <a:rPr lang="en-US"/>
               <a:t>Fifth level</a:t>
             </a:r>
-            <a:endParaRPr lang="en-US"/>
           </a:p>
         </p:txBody>
       </p:sp>
@@ -845,7 +845,7 @@
           <a:p>
             <a:fld id="{62726365-80EF-4A22-BD1B-8B7BA9D18AD5}" type="datetimeFigureOut">
               <a:rPr lang="en-US" smtClean="0"/>
-              <a:t>5/21/2016</a:t>
+              <a:t>7/24/2019</a:t>
             </a:fld>
             <a:endParaRPr lang="en-US"/>
           </a:p>
@@ -944,10 +944,9 @@
           <a:lstStyle/>
           <a:p>
             <a:r>
-              <a:rPr lang="en-US" smtClean="0"/>
+              <a:rPr lang="en-US"/>
               <a:t>Click to edit Master title style</a:t>
             </a:r>
-            <a:endParaRPr lang="en-US"/>
           </a:p>
         </p:txBody>
       </p:sp>
@@ -973,38 +972,37 @@
           <a:p>
             <a:pPr lvl="0"/>
             <a:r>
-              <a:rPr lang="en-US" smtClean="0"/>
+              <a:rPr lang="en-US"/>
               <a:t>Edit Master text styles</a:t>
             </a:r>
           </a:p>
           <a:p>
             <a:pPr lvl="1"/>
             <a:r>
-              <a:rPr lang="en-US" smtClean="0"/>
+              <a:rPr lang="en-US"/>
               <a:t>Second level</a:t>
             </a:r>
           </a:p>
           <a:p>
             <a:pPr lvl="2"/>
             <a:r>
-              <a:rPr lang="en-US" smtClean="0"/>
+              <a:rPr lang="en-US"/>
               <a:t>Third level</a:t>
             </a:r>
           </a:p>
           <a:p>
             <a:pPr lvl="3"/>
             <a:r>
-              <a:rPr lang="en-US" smtClean="0"/>
+              <a:rPr lang="en-US"/>
               <a:t>Fourth level</a:t>
             </a:r>
           </a:p>
           <a:p>
             <a:pPr lvl="4"/>
             <a:r>
-              <a:rPr lang="en-US" smtClean="0"/>
+              <a:rPr lang="en-US"/>
               <a:t>Fifth level</a:t>
             </a:r>
-            <a:endParaRPr lang="en-US"/>
           </a:p>
         </p:txBody>
       </p:sp>
@@ -1025,7 +1023,7 @@
           <a:p>
             <a:fld id="{62726365-80EF-4A22-BD1B-8B7BA9D18AD5}" type="datetimeFigureOut">
               <a:rPr lang="en-US" smtClean="0"/>
-              <a:t>5/21/2016</a:t>
+              <a:t>7/24/2019</a:t>
             </a:fld>
             <a:endParaRPr lang="en-US"/>
           </a:p>
@@ -1119,10 +1117,9 @@
           <a:lstStyle/>
           <a:p>
             <a:r>
-              <a:rPr lang="en-US" smtClean="0"/>
+              <a:rPr lang="en-US"/>
               <a:t>Click to edit Master title style</a:t>
             </a:r>
-            <a:endParaRPr lang="en-US"/>
           </a:p>
         </p:txBody>
       </p:sp>
@@ -1143,38 +1140,37 @@
           <a:p>
             <a:pPr lvl="0"/>
             <a:r>
-              <a:rPr lang="en-US" smtClean="0"/>
+              <a:rPr lang="en-US"/>
               <a:t>Edit Master text styles</a:t>
             </a:r>
           </a:p>
           <a:p>
             <a:pPr lvl="1"/>
             <a:r>
-              <a:rPr lang="en-US" smtClean="0"/>
+              <a:rPr lang="en-US"/>
               <a:t>Second level</a:t>
             </a:r>
           </a:p>
           <a:p>
             <a:pPr lvl="2"/>
             <a:r>
-              <a:rPr lang="en-US" smtClean="0"/>
+              <a:rPr lang="en-US"/>
               <a:t>Third level</a:t>
             </a:r>
           </a:p>
           <a:p>
             <a:pPr lvl="3"/>
             <a:r>
-              <a:rPr lang="en-US" smtClean="0"/>
+              <a:rPr lang="en-US"/>
               <a:t>Fourth level</a:t>
             </a:r>
           </a:p>
           <a:p>
             <a:pPr lvl="4"/>
             <a:r>
-              <a:rPr lang="en-US" smtClean="0"/>
+              <a:rPr lang="en-US"/>
               <a:t>Fifth level</a:t>
             </a:r>
-            <a:endParaRPr lang="en-US"/>
           </a:p>
         </p:txBody>
       </p:sp>
@@ -1195,7 +1191,7 @@
           <a:p>
             <a:fld id="{62726365-80EF-4A22-BD1B-8B7BA9D18AD5}" type="datetimeFigureOut">
               <a:rPr lang="en-US" smtClean="0"/>
-              <a:t>5/21/2016</a:t>
+              <a:t>7/24/2019</a:t>
             </a:fld>
             <a:endParaRPr lang="en-US"/>
           </a:p>
@@ -1298,10 +1294,9 @@
           </a:lstStyle>
           <a:p>
             <a:r>
-              <a:rPr lang="en-US" smtClean="0"/>
+              <a:rPr lang="en-US"/>
               <a:t>Click to edit Master title style</a:t>
             </a:r>
-            <a:endParaRPr lang="en-US"/>
           </a:p>
         </p:txBody>
       </p:sp>
@@ -1418,7 +1413,7 @@
           <a:p>
             <a:pPr lvl="0"/>
             <a:r>
-              <a:rPr lang="en-US" smtClean="0"/>
+              <a:rPr lang="en-US"/>
               <a:t>Edit Master text styles</a:t>
             </a:r>
           </a:p>
@@ -1441,7 +1436,7 @@
           <a:p>
             <a:fld id="{62726365-80EF-4A22-BD1B-8B7BA9D18AD5}" type="datetimeFigureOut">
               <a:rPr lang="en-US" smtClean="0"/>
-              <a:t>5/21/2016</a:t>
+              <a:t>7/24/2019</a:t>
             </a:fld>
             <a:endParaRPr lang="en-US"/>
           </a:p>
@@ -1535,10 +1530,9 @@
           <a:lstStyle/>
           <a:p>
             <a:r>
-              <a:rPr lang="en-US" smtClean="0"/>
+              <a:rPr lang="en-US"/>
               <a:t>Click to edit Master title style</a:t>
             </a:r>
-            <a:endParaRPr lang="en-US"/>
           </a:p>
         </p:txBody>
       </p:sp>
@@ -1564,38 +1558,37 @@
           <a:p>
             <a:pPr lvl="0"/>
             <a:r>
-              <a:rPr lang="en-US" smtClean="0"/>
+              <a:rPr lang="en-US"/>
               <a:t>Edit Master text styles</a:t>
             </a:r>
           </a:p>
           <a:p>
             <a:pPr lvl="1"/>
             <a:r>
-              <a:rPr lang="en-US" smtClean="0"/>
+              <a:rPr lang="en-US"/>
               <a:t>Second level</a:t>
             </a:r>
           </a:p>
           <a:p>
             <a:pPr lvl="2"/>
             <a:r>
-              <a:rPr lang="en-US" smtClean="0"/>
+              <a:rPr lang="en-US"/>
               <a:t>Third level</a:t>
             </a:r>
           </a:p>
           <a:p>
             <a:pPr lvl="3"/>
             <a:r>
-              <a:rPr lang="en-US" smtClean="0"/>
+              <a:rPr lang="en-US"/>
               <a:t>Fourth level</a:t>
             </a:r>
           </a:p>
           <a:p>
             <a:pPr lvl="4"/>
             <a:r>
-              <a:rPr lang="en-US" smtClean="0"/>
+              <a:rPr lang="en-US"/>
               <a:t>Fifth level</a:t>
             </a:r>
-            <a:endParaRPr lang="en-US"/>
           </a:p>
         </p:txBody>
       </p:sp>
@@ -1621,38 +1614,37 @@
           <a:p>
             <a:pPr lvl="0"/>
             <a:r>
-              <a:rPr lang="en-US" smtClean="0"/>
+              <a:rPr lang="en-US"/>
               <a:t>Edit Master text styles</a:t>
             </a:r>
           </a:p>
           <a:p>
             <a:pPr lvl="1"/>
             <a:r>
-              <a:rPr lang="en-US" smtClean="0"/>
+              <a:rPr lang="en-US"/>
               <a:t>Second level</a:t>
             </a:r>
           </a:p>
           <a:p>
             <a:pPr lvl="2"/>
             <a:r>
-              <a:rPr lang="en-US" smtClean="0"/>
+              <a:rPr lang="en-US"/>
               <a:t>Third level</a:t>
             </a:r>
           </a:p>
           <a:p>
             <a:pPr lvl="3"/>
             <a:r>
-              <a:rPr lang="en-US" smtClean="0"/>
+              <a:rPr lang="en-US"/>
               <a:t>Fourth level</a:t>
             </a:r>
           </a:p>
           <a:p>
             <a:pPr lvl="4"/>
             <a:r>
-              <a:rPr lang="en-US" smtClean="0"/>
+              <a:rPr lang="en-US"/>
               <a:t>Fifth level</a:t>
             </a:r>
-            <a:endParaRPr lang="en-US"/>
           </a:p>
         </p:txBody>
       </p:sp>
@@ -1673,7 +1665,7 @@
           <a:p>
             <a:fld id="{62726365-80EF-4A22-BD1B-8B7BA9D18AD5}" type="datetimeFigureOut">
               <a:rPr lang="en-US" smtClean="0"/>
-              <a:t>5/21/2016</a:t>
+              <a:t>7/24/2019</a:t>
             </a:fld>
             <a:endParaRPr lang="en-US"/>
           </a:p>
@@ -1772,10 +1764,9 @@
           <a:lstStyle/>
           <a:p>
             <a:r>
-              <a:rPr lang="en-US" smtClean="0"/>
+              <a:rPr lang="en-US"/>
               <a:t>Click to edit Master title style</a:t>
             </a:r>
-            <a:endParaRPr lang="en-US"/>
           </a:p>
         </p:txBody>
       </p:sp>
@@ -1838,7 +1829,7 @@
           <a:p>
             <a:pPr lvl="0"/>
             <a:r>
-              <a:rPr lang="en-US" smtClean="0"/>
+              <a:rPr lang="en-US"/>
               <a:t>Edit Master text styles</a:t>
             </a:r>
           </a:p>
@@ -1866,38 +1857,37 @@
           <a:p>
             <a:pPr lvl="0"/>
             <a:r>
-              <a:rPr lang="en-US" smtClean="0"/>
+              <a:rPr lang="en-US"/>
               <a:t>Edit Master text styles</a:t>
             </a:r>
           </a:p>
           <a:p>
             <a:pPr lvl="1"/>
             <a:r>
-              <a:rPr lang="en-US" smtClean="0"/>
+              <a:rPr lang="en-US"/>
               <a:t>Second level</a:t>
             </a:r>
           </a:p>
           <a:p>
             <a:pPr lvl="2"/>
             <a:r>
-              <a:rPr lang="en-US" smtClean="0"/>
+              <a:rPr lang="en-US"/>
               <a:t>Third level</a:t>
             </a:r>
           </a:p>
           <a:p>
             <a:pPr lvl="3"/>
             <a:r>
-              <a:rPr lang="en-US" smtClean="0"/>
+              <a:rPr lang="en-US"/>
               <a:t>Fourth level</a:t>
             </a:r>
           </a:p>
           <a:p>
             <a:pPr lvl="4"/>
             <a:r>
-              <a:rPr lang="en-US" smtClean="0"/>
+              <a:rPr lang="en-US"/>
               <a:t>Fifth level</a:t>
             </a:r>
-            <a:endParaRPr lang="en-US"/>
           </a:p>
         </p:txBody>
       </p:sp>
@@ -1960,7 +1950,7 @@
           <a:p>
             <a:pPr lvl="0"/>
             <a:r>
-              <a:rPr lang="en-US" smtClean="0"/>
+              <a:rPr lang="en-US"/>
               <a:t>Edit Master text styles</a:t>
             </a:r>
           </a:p>
@@ -1988,38 +1978,37 @@
           <a:p>
             <a:pPr lvl="0"/>
             <a:r>
-              <a:rPr lang="en-US" smtClean="0"/>
+              <a:rPr lang="en-US"/>
               <a:t>Edit Master text styles</a:t>
             </a:r>
           </a:p>
           <a:p>
             <a:pPr lvl="1"/>
             <a:r>
-              <a:rPr lang="en-US" smtClean="0"/>
+              <a:rPr lang="en-US"/>
               <a:t>Second level</a:t>
             </a:r>
           </a:p>
           <a:p>
             <a:pPr lvl="2"/>
             <a:r>
-              <a:rPr lang="en-US" smtClean="0"/>
+              <a:rPr lang="en-US"/>
               <a:t>Third level</a:t>
             </a:r>
           </a:p>
           <a:p>
             <a:pPr lvl="3"/>
             <a:r>
-              <a:rPr lang="en-US" smtClean="0"/>
+              <a:rPr lang="en-US"/>
               <a:t>Fourth level</a:t>
             </a:r>
           </a:p>
           <a:p>
             <a:pPr lvl="4"/>
             <a:r>
-              <a:rPr lang="en-US" smtClean="0"/>
+              <a:rPr lang="en-US"/>
               <a:t>Fifth level</a:t>
             </a:r>
-            <a:endParaRPr lang="en-US"/>
           </a:p>
         </p:txBody>
       </p:sp>
@@ -2040,7 +2029,7 @@
           <a:p>
             <a:fld id="{62726365-80EF-4A22-BD1B-8B7BA9D18AD5}" type="datetimeFigureOut">
               <a:rPr lang="en-US" smtClean="0"/>
-              <a:t>5/21/2016</a:t>
+              <a:t>7/24/2019</a:t>
             </a:fld>
             <a:endParaRPr lang="en-US"/>
           </a:p>
@@ -2134,10 +2123,9 @@
           <a:lstStyle/>
           <a:p>
             <a:r>
-              <a:rPr lang="en-US" smtClean="0"/>
+              <a:rPr lang="en-US"/>
               <a:t>Click to edit Master title style</a:t>
             </a:r>
-            <a:endParaRPr lang="en-US"/>
           </a:p>
         </p:txBody>
       </p:sp>
@@ -2158,7 +2146,7 @@
           <a:p>
             <a:fld id="{62726365-80EF-4A22-BD1B-8B7BA9D18AD5}" type="datetimeFigureOut">
               <a:rPr lang="en-US" smtClean="0"/>
-              <a:t>5/21/2016</a:t>
+              <a:t>7/24/2019</a:t>
             </a:fld>
             <a:endParaRPr lang="en-US"/>
           </a:p>
@@ -2253,7 +2241,7 @@
           <a:p>
             <a:fld id="{62726365-80EF-4A22-BD1B-8B7BA9D18AD5}" type="datetimeFigureOut">
               <a:rPr lang="en-US" smtClean="0"/>
-              <a:t>5/21/2016</a:t>
+              <a:t>7/24/2019</a:t>
             </a:fld>
             <a:endParaRPr lang="en-US"/>
           </a:p>
@@ -2356,10 +2344,9 @@
           </a:lstStyle>
           <a:p>
             <a:r>
-              <a:rPr lang="en-US" smtClean="0"/>
+              <a:rPr lang="en-US"/>
               <a:t>Click to edit Master title style</a:t>
             </a:r>
-            <a:endParaRPr lang="en-US"/>
           </a:p>
         </p:txBody>
       </p:sp>
@@ -2413,38 +2400,37 @@
           <a:p>
             <a:pPr lvl="0"/>
             <a:r>
-              <a:rPr lang="en-US" smtClean="0"/>
+              <a:rPr lang="en-US"/>
               <a:t>Edit Master text styles</a:t>
             </a:r>
           </a:p>
           <a:p>
             <a:pPr lvl="1"/>
             <a:r>
-              <a:rPr lang="en-US" smtClean="0"/>
+              <a:rPr lang="en-US"/>
               <a:t>Second level</a:t>
             </a:r>
           </a:p>
           <a:p>
             <a:pPr lvl="2"/>
             <a:r>
-              <a:rPr lang="en-US" smtClean="0"/>
+              <a:rPr lang="en-US"/>
               <a:t>Third level</a:t>
             </a:r>
           </a:p>
           <a:p>
             <a:pPr lvl="3"/>
             <a:r>
-              <a:rPr lang="en-US" smtClean="0"/>
+              <a:rPr lang="en-US"/>
               <a:t>Fourth level</a:t>
             </a:r>
           </a:p>
           <a:p>
             <a:pPr lvl="4"/>
             <a:r>
-              <a:rPr lang="en-US" smtClean="0"/>
+              <a:rPr lang="en-US"/>
               <a:t>Fifth level</a:t>
             </a:r>
-            <a:endParaRPr lang="en-US"/>
           </a:p>
         </p:txBody>
       </p:sp>
@@ -2507,7 +2493,7 @@
           <a:p>
             <a:pPr lvl="0"/>
             <a:r>
-              <a:rPr lang="en-US" smtClean="0"/>
+              <a:rPr lang="en-US"/>
               <a:t>Edit Master text styles</a:t>
             </a:r>
           </a:p>
@@ -2530,7 +2516,7 @@
           <a:p>
             <a:fld id="{62726365-80EF-4A22-BD1B-8B7BA9D18AD5}" type="datetimeFigureOut">
               <a:rPr lang="en-US" smtClean="0"/>
-              <a:t>5/21/2016</a:t>
+              <a:t>7/24/2019</a:t>
             </a:fld>
             <a:endParaRPr lang="en-US"/>
           </a:p>
@@ -2633,10 +2619,9 @@
           </a:lstStyle>
           <a:p>
             <a:r>
-              <a:rPr lang="en-US" smtClean="0"/>
+              <a:rPr lang="en-US"/>
               <a:t>Click to edit Master title style</a:t>
             </a:r>
-            <a:endParaRPr lang="en-US"/>
           </a:p>
         </p:txBody>
       </p:sp>
@@ -2760,7 +2745,7 @@
           <a:p>
             <a:pPr lvl="0"/>
             <a:r>
-              <a:rPr lang="en-US" smtClean="0"/>
+              <a:rPr lang="en-US"/>
               <a:t>Edit Master text styles</a:t>
             </a:r>
           </a:p>
@@ -2783,7 +2768,7 @@
           <a:p>
             <a:fld id="{62726365-80EF-4A22-BD1B-8B7BA9D18AD5}" type="datetimeFigureOut">
               <a:rPr lang="en-US" smtClean="0"/>
-              <a:t>5/21/2016</a:t>
+              <a:t>7/24/2019</a:t>
             </a:fld>
             <a:endParaRPr lang="en-US"/>
           </a:p>
@@ -2892,10 +2877,9 @@
           <a:lstStyle/>
           <a:p>
             <a:r>
-              <a:rPr lang="en-US" smtClean="0"/>
+              <a:rPr lang="en-US"/>
               <a:t>Click to edit Master title style</a:t>
             </a:r>
-            <a:endParaRPr lang="en-US"/>
           </a:p>
         </p:txBody>
       </p:sp>
@@ -2926,38 +2910,37 @@
           <a:p>
             <a:pPr lvl="0"/>
             <a:r>
-              <a:rPr lang="en-US" smtClean="0"/>
+              <a:rPr lang="en-US"/>
               <a:t>Edit Master text styles</a:t>
             </a:r>
           </a:p>
           <a:p>
             <a:pPr lvl="1"/>
             <a:r>
-              <a:rPr lang="en-US" smtClean="0"/>
+              <a:rPr lang="en-US"/>
               <a:t>Second level</a:t>
             </a:r>
           </a:p>
           <a:p>
             <a:pPr lvl="2"/>
             <a:r>
-              <a:rPr lang="en-US" smtClean="0"/>
+              <a:rPr lang="en-US"/>
               <a:t>Third level</a:t>
             </a:r>
           </a:p>
           <a:p>
             <a:pPr lvl="3"/>
             <a:r>
-              <a:rPr lang="en-US" smtClean="0"/>
+              <a:rPr lang="en-US"/>
               <a:t>Fourth level</a:t>
             </a:r>
           </a:p>
           <a:p>
             <a:pPr lvl="4"/>
             <a:r>
-              <a:rPr lang="en-US" smtClean="0"/>
+              <a:rPr lang="en-US"/>
               <a:t>Fifth level</a:t>
             </a:r>
-            <a:endParaRPr lang="en-US"/>
           </a:p>
         </p:txBody>
       </p:sp>
@@ -2996,7 +2979,7 @@
           <a:p>
             <a:fld id="{62726365-80EF-4A22-BD1B-8B7BA9D18AD5}" type="datetimeFigureOut">
               <a:rPr lang="en-US" smtClean="0"/>
-              <a:t>5/21/2016</a:t>
+              <a:t>7/24/2019</a:t>
             </a:fld>
             <a:endParaRPr lang="en-US"/>
           </a:p>
@@ -3498,8 +3481,8 @@
           </a:p>
         </p:txBody>
       </p:sp>
-      <mc:AlternateContent xmlns:mc="http://schemas.openxmlformats.org/markup-compatibility/2006">
-        <mc:Choice xmlns:a14="http://schemas.microsoft.com/office/drawing/2010/main" Requires="a14">
+      <mc:AlternateContent xmlns:mc="http://schemas.openxmlformats.org/markup-compatibility/2006" xmlns:a14="http://schemas.microsoft.com/office/drawing/2010/main">
+        <mc:Choice Requires="a14">
           <p:sp>
             <p:nvSpPr>
               <p:cNvPr id="6" name="TextBox 5"/>
@@ -3522,6 +3505,7 @@
               </a:bodyPr>
               <a:lstStyle/>
               <a:p>
+                <a:pPr/>
                 <a14:m>
                   <m:oMathPara xmlns:m="http://schemas.openxmlformats.org/officeDocument/2006/math">
                     <m:oMathParaPr>
@@ -3542,7 +3526,7 @@
             </p:txBody>
           </p:sp>
         </mc:Choice>
-        <mc:Fallback>
+        <mc:Fallback xmlns="">
           <p:sp>
             <p:nvSpPr>
               <p:cNvPr id="6" name="TextBox 5"/>
@@ -3581,8 +3565,8 @@
           </p:sp>
         </mc:Fallback>
       </mc:AlternateContent>
-      <mc:AlternateContent xmlns:mc="http://schemas.openxmlformats.org/markup-compatibility/2006">
-        <mc:Choice xmlns:a14="http://schemas.microsoft.com/office/drawing/2010/main" Requires="a14">
+      <mc:AlternateContent xmlns:mc="http://schemas.openxmlformats.org/markup-compatibility/2006" xmlns:a14="http://schemas.microsoft.com/office/drawing/2010/main">
+        <mc:Choice Requires="a14">
           <p:sp>
             <p:nvSpPr>
               <p:cNvPr id="7" name="TextBox 6"/>
@@ -3605,6 +3589,7 @@
               </a:bodyPr>
               <a:lstStyle/>
               <a:p>
+                <a:pPr/>
                 <a14:m>
                   <m:oMathPara xmlns:m="http://schemas.openxmlformats.org/officeDocument/2006/math">
                     <m:oMathParaPr>
@@ -3625,7 +3610,7 @@
             </p:txBody>
           </p:sp>
         </mc:Choice>
-        <mc:Fallback>
+        <mc:Fallback xmlns="">
           <p:sp>
             <p:nvSpPr>
               <p:cNvPr id="7" name="TextBox 6"/>
@@ -3733,10 +3718,150 @@
           <a:lstStyle/>
           <a:p>
             <a:r>
-              <a:rPr lang="en-US" sz="1200" dirty="0" smtClean="0"/>
+              <a:rPr lang="en-US" sz="1200" dirty="0"/>
               <a:t>rough plane</a:t>
             </a:r>
-            <a:endParaRPr lang="en-US" sz="1200" dirty="0"/>
+          </a:p>
+        </p:txBody>
+      </p:sp>
+      <p:sp>
+        <p:nvSpPr>
+          <p:cNvPr id="10" name="Arc 9">
+            <a:extLst>
+              <a:ext uri="{FF2B5EF4-FFF2-40B4-BE49-F238E27FC236}">
+                <a16:creationId xmlns:a16="http://schemas.microsoft.com/office/drawing/2014/main" id="{6F48397C-D241-40C0-AF8F-D06AA76111BD}"/>
+              </a:ext>
+            </a:extLst>
+          </p:cNvPr>
+          <p:cNvSpPr/>
+          <p:nvPr/>
+        </p:nvSpPr>
+        <p:spPr>
+          <a:xfrm rot="12423967">
+            <a:off x="5930870" y="2520176"/>
+            <a:ext cx="117335" cy="169537"/>
+          </a:xfrm>
+          <a:prstGeom prst="arc">
+            <a:avLst>
+              <a:gd name="adj1" fmla="val 16200000"/>
+              <a:gd name="adj2" fmla="val 2145240"/>
+            </a:avLst>
+          </a:prstGeom>
+        </p:spPr>
+        <p:style>
+          <a:lnRef idx="1">
+            <a:schemeClr val="dk1"/>
+          </a:lnRef>
+          <a:fillRef idx="0">
+            <a:schemeClr val="dk1"/>
+          </a:fillRef>
+          <a:effectRef idx="0">
+            <a:schemeClr val="dk1"/>
+          </a:effectRef>
+          <a:fontRef idx="minor">
+            <a:schemeClr val="tx1"/>
+          </a:fontRef>
+        </p:style>
+        <p:txBody>
+          <a:bodyPr rtlCol="0" anchor="ctr"/>
+          <a:lstStyle>
+            <a:defPPr>
+              <a:defRPr lang="en-US"/>
+            </a:defPPr>
+            <a:lvl1pPr marL="0" algn="l" defTabSz="914400" rtl="0" eaLnBrk="1" latinLnBrk="0" hangingPunct="1">
+              <a:defRPr sz="1800" kern="1200">
+                <a:solidFill>
+                  <a:schemeClr val="tx1"/>
+                </a:solidFill>
+                <a:latin typeface="+mn-lt"/>
+                <a:ea typeface="+mn-ea"/>
+                <a:cs typeface="+mn-cs"/>
+              </a:defRPr>
+            </a:lvl1pPr>
+            <a:lvl2pPr marL="457200" algn="l" defTabSz="914400" rtl="0" eaLnBrk="1" latinLnBrk="0" hangingPunct="1">
+              <a:defRPr sz="1800" kern="1200">
+                <a:solidFill>
+                  <a:schemeClr val="tx1"/>
+                </a:solidFill>
+                <a:latin typeface="+mn-lt"/>
+                <a:ea typeface="+mn-ea"/>
+                <a:cs typeface="+mn-cs"/>
+              </a:defRPr>
+            </a:lvl2pPr>
+            <a:lvl3pPr marL="914400" algn="l" defTabSz="914400" rtl="0" eaLnBrk="1" latinLnBrk="0" hangingPunct="1">
+              <a:defRPr sz="1800" kern="1200">
+                <a:solidFill>
+                  <a:schemeClr val="tx1"/>
+                </a:solidFill>
+                <a:latin typeface="+mn-lt"/>
+                <a:ea typeface="+mn-ea"/>
+                <a:cs typeface="+mn-cs"/>
+              </a:defRPr>
+            </a:lvl3pPr>
+            <a:lvl4pPr marL="1371600" algn="l" defTabSz="914400" rtl="0" eaLnBrk="1" latinLnBrk="0" hangingPunct="1">
+              <a:defRPr sz="1800" kern="1200">
+                <a:solidFill>
+                  <a:schemeClr val="tx1"/>
+                </a:solidFill>
+                <a:latin typeface="+mn-lt"/>
+                <a:ea typeface="+mn-ea"/>
+                <a:cs typeface="+mn-cs"/>
+              </a:defRPr>
+            </a:lvl4pPr>
+            <a:lvl5pPr marL="1828800" algn="l" defTabSz="914400" rtl="0" eaLnBrk="1" latinLnBrk="0" hangingPunct="1">
+              <a:defRPr sz="1800" kern="1200">
+                <a:solidFill>
+                  <a:schemeClr val="tx1"/>
+                </a:solidFill>
+                <a:latin typeface="+mn-lt"/>
+                <a:ea typeface="+mn-ea"/>
+                <a:cs typeface="+mn-cs"/>
+              </a:defRPr>
+            </a:lvl5pPr>
+            <a:lvl6pPr marL="2286000" algn="l" defTabSz="914400" rtl="0" eaLnBrk="1" latinLnBrk="0" hangingPunct="1">
+              <a:defRPr sz="1800" kern="1200">
+                <a:solidFill>
+                  <a:schemeClr val="tx1"/>
+                </a:solidFill>
+                <a:latin typeface="+mn-lt"/>
+                <a:ea typeface="+mn-ea"/>
+                <a:cs typeface="+mn-cs"/>
+              </a:defRPr>
+            </a:lvl6pPr>
+            <a:lvl7pPr marL="2743200" algn="l" defTabSz="914400" rtl="0" eaLnBrk="1" latinLnBrk="0" hangingPunct="1">
+              <a:defRPr sz="1800" kern="1200">
+                <a:solidFill>
+                  <a:schemeClr val="tx1"/>
+                </a:solidFill>
+                <a:latin typeface="+mn-lt"/>
+                <a:ea typeface="+mn-ea"/>
+                <a:cs typeface="+mn-cs"/>
+              </a:defRPr>
+            </a:lvl7pPr>
+            <a:lvl8pPr marL="3200400" algn="l" defTabSz="914400" rtl="0" eaLnBrk="1" latinLnBrk="0" hangingPunct="1">
+              <a:defRPr sz="1800" kern="1200">
+                <a:solidFill>
+                  <a:schemeClr val="tx1"/>
+                </a:solidFill>
+                <a:latin typeface="+mn-lt"/>
+                <a:ea typeface="+mn-ea"/>
+                <a:cs typeface="+mn-cs"/>
+              </a:defRPr>
+            </a:lvl8pPr>
+            <a:lvl9pPr marL="3657600" algn="l" defTabSz="914400" rtl="0" eaLnBrk="1" latinLnBrk="0" hangingPunct="1">
+              <a:defRPr sz="1800" kern="1200">
+                <a:solidFill>
+                  <a:schemeClr val="tx1"/>
+                </a:solidFill>
+                <a:latin typeface="+mn-lt"/>
+                <a:ea typeface="+mn-ea"/>
+                <a:cs typeface="+mn-cs"/>
+              </a:defRPr>
+            </a:lvl9pPr>
+          </a:lstStyle>
+          <a:p>
+            <a:pPr algn="ctr"/>
+            <a:endParaRPr lang="en-US"/>
           </a:p>
         </p:txBody>
       </p:sp>
@@ -3750,13 +3875,6 @@
   <p:clrMapOvr>
     <a:masterClrMapping/>
   </p:clrMapOvr>
-  <p:timing>
-    <p:tnLst>
-      <p:par>
-        <p:cTn id="1" dur="indefinite" restart="never" nodeType="tmRoot"/>
-      </p:par>
-    </p:tnLst>
-  </p:timing>
 </p:sld>
 </file>
 
